--- a/AI-ML-Course-Induction-and-General/cross_validation_ml_advice/classification_accuracy_metrics.pptx
+++ b/AI-ML-Course-Induction-and-General/cross_validation_ml_advice/classification_accuracy_metrics.pptx
@@ -136,7 +136,7 @@
           <p:cNvPr id="2" name="Title 1">
             <a:extLst>
               <a:ext uri="{FF2B5EF4-FFF2-40B4-BE49-F238E27FC236}">
-                <a16:creationId xmlns:a16="http://schemas.microsoft.com/office/drawing/2014/main" xmlns="" id="{CE2BAE42-EEF5-A54D-A5F3-A52F2BCF913E}"/>
+                <a16:creationId xmlns="" xmlns:a16="http://schemas.microsoft.com/office/drawing/2014/main" id="{CE2BAE42-EEF5-A54D-A5F3-A52F2BCF913E}"/>
               </a:ext>
             </a:extLst>
           </p:cNvPr>
@@ -174,7 +174,7 @@
           <p:cNvPr id="3" name="Subtitle 2">
             <a:extLst>
               <a:ext uri="{FF2B5EF4-FFF2-40B4-BE49-F238E27FC236}">
-                <a16:creationId xmlns:a16="http://schemas.microsoft.com/office/drawing/2014/main" xmlns="" id="{08117CEC-245A-4D47-B997-5250D90A9E2D}"/>
+                <a16:creationId xmlns="" xmlns:a16="http://schemas.microsoft.com/office/drawing/2014/main" id="{08117CEC-245A-4D47-B997-5250D90A9E2D}"/>
               </a:ext>
             </a:extLst>
           </p:cNvPr>
@@ -245,7 +245,7 @@
           <p:cNvPr id="4" name="Date Placeholder 3">
             <a:extLst>
               <a:ext uri="{FF2B5EF4-FFF2-40B4-BE49-F238E27FC236}">
-                <a16:creationId xmlns:a16="http://schemas.microsoft.com/office/drawing/2014/main" xmlns="" id="{D248DD63-A96B-4345-A242-3CE24C6E163C}"/>
+                <a16:creationId xmlns="" xmlns:a16="http://schemas.microsoft.com/office/drawing/2014/main" id="{D248DD63-A96B-4345-A242-3CE24C6E163C}"/>
               </a:ext>
             </a:extLst>
           </p:cNvPr>
@@ -264,7 +264,7 @@
             <a:fld id="{77597A0D-CA40-D14B-B759-FDC2B523C727}" type="datetimeFigureOut">
               <a:rPr lang="en-US" smtClean="0"/>
               <a:pPr/>
-              <a:t>5/24/2021</a:t>
+              <a:t>6/20/2021</a:t>
             </a:fld>
             <a:endParaRPr lang="en-US"/>
           </a:p>
@@ -275,7 +275,7 @@
           <p:cNvPr id="5" name="Footer Placeholder 4">
             <a:extLst>
               <a:ext uri="{FF2B5EF4-FFF2-40B4-BE49-F238E27FC236}">
-                <a16:creationId xmlns:a16="http://schemas.microsoft.com/office/drawing/2014/main" xmlns="" id="{8B65E06E-ED69-E14F-BB61-F06FFE741FAE}"/>
+                <a16:creationId xmlns="" xmlns:a16="http://schemas.microsoft.com/office/drawing/2014/main" id="{8B65E06E-ED69-E14F-BB61-F06FFE741FAE}"/>
               </a:ext>
             </a:extLst>
           </p:cNvPr>
@@ -300,7 +300,7 @@
           <p:cNvPr id="6" name="Slide Number Placeholder 5">
             <a:extLst>
               <a:ext uri="{FF2B5EF4-FFF2-40B4-BE49-F238E27FC236}">
-                <a16:creationId xmlns:a16="http://schemas.microsoft.com/office/drawing/2014/main" xmlns="" id="{8CCD2493-B566-5241-B4F4-0F8F6FAFA1F4}"/>
+                <a16:creationId xmlns="" xmlns:a16="http://schemas.microsoft.com/office/drawing/2014/main" id="{8CCD2493-B566-5241-B4F4-0F8F6FAFA1F4}"/>
               </a:ext>
             </a:extLst>
           </p:cNvPr>
@@ -328,7 +328,7 @@
     </p:spTree>
     <p:extLst>
       <p:ext uri="{BB962C8B-B14F-4D97-AF65-F5344CB8AC3E}">
-        <p14:creationId xmlns:p14="http://schemas.microsoft.com/office/powerpoint/2010/main" xmlns="" val="2289438962"/>
+        <p14:creationId xmlns="" xmlns:p14="http://schemas.microsoft.com/office/powerpoint/2010/main" val="2289438962"/>
       </p:ext>
     </p:extLst>
   </p:cSld>
@@ -360,7 +360,7 @@
           <p:cNvPr id="2" name="Title 1">
             <a:extLst>
               <a:ext uri="{FF2B5EF4-FFF2-40B4-BE49-F238E27FC236}">
-                <a16:creationId xmlns:a16="http://schemas.microsoft.com/office/drawing/2014/main" xmlns="" id="{C09DA7D6-DB89-BA4C-AB2E-B8D6E5E87273}"/>
+                <a16:creationId xmlns="" xmlns:a16="http://schemas.microsoft.com/office/drawing/2014/main" id="{C09DA7D6-DB89-BA4C-AB2E-B8D6E5E87273}"/>
               </a:ext>
             </a:extLst>
           </p:cNvPr>
@@ -389,7 +389,7 @@
           <p:cNvPr id="3" name="Vertical Text Placeholder 2">
             <a:extLst>
               <a:ext uri="{FF2B5EF4-FFF2-40B4-BE49-F238E27FC236}">
-                <a16:creationId xmlns:a16="http://schemas.microsoft.com/office/drawing/2014/main" xmlns="" id="{B8C66AD8-4422-B14A-905B-CC0CED7F0177}"/>
+                <a16:creationId xmlns="" xmlns:a16="http://schemas.microsoft.com/office/drawing/2014/main" id="{B8C66AD8-4422-B14A-905B-CC0CED7F0177}"/>
               </a:ext>
             </a:extLst>
           </p:cNvPr>
@@ -447,7 +447,7 @@
           <p:cNvPr id="4" name="Date Placeholder 3">
             <a:extLst>
               <a:ext uri="{FF2B5EF4-FFF2-40B4-BE49-F238E27FC236}">
-                <a16:creationId xmlns:a16="http://schemas.microsoft.com/office/drawing/2014/main" xmlns="" id="{5D08B90B-5555-5945-8EAD-C874781D60C7}"/>
+                <a16:creationId xmlns="" xmlns:a16="http://schemas.microsoft.com/office/drawing/2014/main" id="{5D08B90B-5555-5945-8EAD-C874781D60C7}"/>
               </a:ext>
             </a:extLst>
           </p:cNvPr>
@@ -466,7 +466,7 @@
             <a:fld id="{77597A0D-CA40-D14B-B759-FDC2B523C727}" type="datetimeFigureOut">
               <a:rPr lang="en-US" smtClean="0"/>
               <a:pPr/>
-              <a:t>5/24/2021</a:t>
+              <a:t>6/20/2021</a:t>
             </a:fld>
             <a:endParaRPr lang="en-US"/>
           </a:p>
@@ -477,7 +477,7 @@
           <p:cNvPr id="5" name="Footer Placeholder 4">
             <a:extLst>
               <a:ext uri="{FF2B5EF4-FFF2-40B4-BE49-F238E27FC236}">
-                <a16:creationId xmlns:a16="http://schemas.microsoft.com/office/drawing/2014/main" xmlns="" id="{95D2261F-3191-5A49-9D10-68E4D59BE8CC}"/>
+                <a16:creationId xmlns="" xmlns:a16="http://schemas.microsoft.com/office/drawing/2014/main" id="{95D2261F-3191-5A49-9D10-68E4D59BE8CC}"/>
               </a:ext>
             </a:extLst>
           </p:cNvPr>
@@ -502,7 +502,7 @@
           <p:cNvPr id="6" name="Slide Number Placeholder 5">
             <a:extLst>
               <a:ext uri="{FF2B5EF4-FFF2-40B4-BE49-F238E27FC236}">
-                <a16:creationId xmlns:a16="http://schemas.microsoft.com/office/drawing/2014/main" xmlns="" id="{E4FE9D47-AB8C-0D43-ABD2-F984B176E27E}"/>
+                <a16:creationId xmlns="" xmlns:a16="http://schemas.microsoft.com/office/drawing/2014/main" id="{E4FE9D47-AB8C-0D43-ABD2-F984B176E27E}"/>
               </a:ext>
             </a:extLst>
           </p:cNvPr>
@@ -530,7 +530,7 @@
     </p:spTree>
     <p:extLst>
       <p:ext uri="{BB962C8B-B14F-4D97-AF65-F5344CB8AC3E}">
-        <p14:creationId xmlns:p14="http://schemas.microsoft.com/office/powerpoint/2010/main" xmlns="" val="3903941525"/>
+        <p14:creationId xmlns="" xmlns:p14="http://schemas.microsoft.com/office/powerpoint/2010/main" val="3903941525"/>
       </p:ext>
     </p:extLst>
   </p:cSld>
@@ -562,7 +562,7 @@
           <p:cNvPr id="2" name="Vertical Title 1">
             <a:extLst>
               <a:ext uri="{FF2B5EF4-FFF2-40B4-BE49-F238E27FC236}">
-                <a16:creationId xmlns:a16="http://schemas.microsoft.com/office/drawing/2014/main" xmlns="" id="{E16896D9-0BE3-C744-B5FF-B49B657D7E34}"/>
+                <a16:creationId xmlns="" xmlns:a16="http://schemas.microsoft.com/office/drawing/2014/main" id="{E16896D9-0BE3-C744-B5FF-B49B657D7E34}"/>
               </a:ext>
             </a:extLst>
           </p:cNvPr>
@@ -596,7 +596,7 @@
           <p:cNvPr id="3" name="Vertical Text Placeholder 2">
             <a:extLst>
               <a:ext uri="{FF2B5EF4-FFF2-40B4-BE49-F238E27FC236}">
-                <a16:creationId xmlns:a16="http://schemas.microsoft.com/office/drawing/2014/main" xmlns="" id="{7D92C7A7-3D33-9445-B8A3-5B3D1C53D02C}"/>
+                <a16:creationId xmlns="" xmlns:a16="http://schemas.microsoft.com/office/drawing/2014/main" id="{7D92C7A7-3D33-9445-B8A3-5B3D1C53D02C}"/>
               </a:ext>
             </a:extLst>
           </p:cNvPr>
@@ -659,7 +659,7 @@
           <p:cNvPr id="4" name="Date Placeholder 3">
             <a:extLst>
               <a:ext uri="{FF2B5EF4-FFF2-40B4-BE49-F238E27FC236}">
-                <a16:creationId xmlns:a16="http://schemas.microsoft.com/office/drawing/2014/main" xmlns="" id="{BAD9E5E1-9478-3E45-B5A1-AC63858E7257}"/>
+                <a16:creationId xmlns="" xmlns:a16="http://schemas.microsoft.com/office/drawing/2014/main" id="{BAD9E5E1-9478-3E45-B5A1-AC63858E7257}"/>
               </a:ext>
             </a:extLst>
           </p:cNvPr>
@@ -678,7 +678,7 @@
             <a:fld id="{77597A0D-CA40-D14B-B759-FDC2B523C727}" type="datetimeFigureOut">
               <a:rPr lang="en-US" smtClean="0"/>
               <a:pPr/>
-              <a:t>5/24/2021</a:t>
+              <a:t>6/20/2021</a:t>
             </a:fld>
             <a:endParaRPr lang="en-US"/>
           </a:p>
@@ -689,7 +689,7 @@
           <p:cNvPr id="5" name="Footer Placeholder 4">
             <a:extLst>
               <a:ext uri="{FF2B5EF4-FFF2-40B4-BE49-F238E27FC236}">
-                <a16:creationId xmlns:a16="http://schemas.microsoft.com/office/drawing/2014/main" xmlns="" id="{FA4E3CE3-BCB7-AB4B-802F-C5F97132EF1D}"/>
+                <a16:creationId xmlns="" xmlns:a16="http://schemas.microsoft.com/office/drawing/2014/main" id="{FA4E3CE3-BCB7-AB4B-802F-C5F97132EF1D}"/>
               </a:ext>
             </a:extLst>
           </p:cNvPr>
@@ -714,7 +714,7 @@
           <p:cNvPr id="6" name="Slide Number Placeholder 5">
             <a:extLst>
               <a:ext uri="{FF2B5EF4-FFF2-40B4-BE49-F238E27FC236}">
-                <a16:creationId xmlns:a16="http://schemas.microsoft.com/office/drawing/2014/main" xmlns="" id="{93CB2343-FA2B-AF46-A644-6B27053B0E7C}"/>
+                <a16:creationId xmlns="" xmlns:a16="http://schemas.microsoft.com/office/drawing/2014/main" id="{93CB2343-FA2B-AF46-A644-6B27053B0E7C}"/>
               </a:ext>
             </a:extLst>
           </p:cNvPr>
@@ -742,7 +742,7 @@
     </p:spTree>
     <p:extLst>
       <p:ext uri="{BB962C8B-B14F-4D97-AF65-F5344CB8AC3E}">
-        <p14:creationId xmlns:p14="http://schemas.microsoft.com/office/powerpoint/2010/main" xmlns="" val="91301919"/>
+        <p14:creationId xmlns="" xmlns:p14="http://schemas.microsoft.com/office/powerpoint/2010/main" val="91301919"/>
       </p:ext>
     </p:extLst>
   </p:cSld>
@@ -774,7 +774,7 @@
           <p:cNvPr id="2" name="Title 1">
             <a:extLst>
               <a:ext uri="{FF2B5EF4-FFF2-40B4-BE49-F238E27FC236}">
-                <a16:creationId xmlns:a16="http://schemas.microsoft.com/office/drawing/2014/main" xmlns="" id="{2C2A3C30-DFBB-3343-A1BE-3250CD15DE73}"/>
+                <a16:creationId xmlns="" xmlns:a16="http://schemas.microsoft.com/office/drawing/2014/main" id="{2C2A3C30-DFBB-3343-A1BE-3250CD15DE73}"/>
               </a:ext>
             </a:extLst>
           </p:cNvPr>
@@ -803,7 +803,7 @@
           <p:cNvPr id="3" name="Content Placeholder 2">
             <a:extLst>
               <a:ext uri="{FF2B5EF4-FFF2-40B4-BE49-F238E27FC236}">
-                <a16:creationId xmlns:a16="http://schemas.microsoft.com/office/drawing/2014/main" xmlns="" id="{AD2696AF-FBA1-0248-AFEF-76489B0888E7}"/>
+                <a16:creationId xmlns="" xmlns:a16="http://schemas.microsoft.com/office/drawing/2014/main" id="{AD2696AF-FBA1-0248-AFEF-76489B0888E7}"/>
               </a:ext>
             </a:extLst>
           </p:cNvPr>
@@ -861,7 +861,7 @@
           <p:cNvPr id="4" name="Date Placeholder 3">
             <a:extLst>
               <a:ext uri="{FF2B5EF4-FFF2-40B4-BE49-F238E27FC236}">
-                <a16:creationId xmlns:a16="http://schemas.microsoft.com/office/drawing/2014/main" xmlns="" id="{90B40714-DB93-0148-931A-92D4F5EF2777}"/>
+                <a16:creationId xmlns="" xmlns:a16="http://schemas.microsoft.com/office/drawing/2014/main" id="{90B40714-DB93-0148-931A-92D4F5EF2777}"/>
               </a:ext>
             </a:extLst>
           </p:cNvPr>
@@ -880,7 +880,7 @@
             <a:fld id="{77597A0D-CA40-D14B-B759-FDC2B523C727}" type="datetimeFigureOut">
               <a:rPr lang="en-US" smtClean="0"/>
               <a:pPr/>
-              <a:t>5/24/2021</a:t>
+              <a:t>6/20/2021</a:t>
             </a:fld>
             <a:endParaRPr lang="en-US"/>
           </a:p>
@@ -891,7 +891,7 @@
           <p:cNvPr id="5" name="Footer Placeholder 4">
             <a:extLst>
               <a:ext uri="{FF2B5EF4-FFF2-40B4-BE49-F238E27FC236}">
-                <a16:creationId xmlns:a16="http://schemas.microsoft.com/office/drawing/2014/main" xmlns="" id="{D144AC1C-4F58-4043-AB7B-6437F9660A28}"/>
+                <a16:creationId xmlns="" xmlns:a16="http://schemas.microsoft.com/office/drawing/2014/main" id="{D144AC1C-4F58-4043-AB7B-6437F9660A28}"/>
               </a:ext>
             </a:extLst>
           </p:cNvPr>
@@ -916,7 +916,7 @@
           <p:cNvPr id="6" name="Slide Number Placeholder 5">
             <a:extLst>
               <a:ext uri="{FF2B5EF4-FFF2-40B4-BE49-F238E27FC236}">
-                <a16:creationId xmlns:a16="http://schemas.microsoft.com/office/drawing/2014/main" xmlns="" id="{B9145BCF-592C-A54A-850D-E1C939872FE1}"/>
+                <a16:creationId xmlns="" xmlns:a16="http://schemas.microsoft.com/office/drawing/2014/main" id="{B9145BCF-592C-A54A-850D-E1C939872FE1}"/>
               </a:ext>
             </a:extLst>
           </p:cNvPr>
@@ -944,7 +944,7 @@
     </p:spTree>
     <p:extLst>
       <p:ext uri="{BB962C8B-B14F-4D97-AF65-F5344CB8AC3E}">
-        <p14:creationId xmlns:p14="http://schemas.microsoft.com/office/powerpoint/2010/main" xmlns="" val="1661904340"/>
+        <p14:creationId xmlns="" xmlns:p14="http://schemas.microsoft.com/office/powerpoint/2010/main" val="1661904340"/>
       </p:ext>
     </p:extLst>
   </p:cSld>
@@ -976,7 +976,7 @@
           <p:cNvPr id="2" name="Title 1">
             <a:extLst>
               <a:ext uri="{FF2B5EF4-FFF2-40B4-BE49-F238E27FC236}">
-                <a16:creationId xmlns:a16="http://schemas.microsoft.com/office/drawing/2014/main" xmlns="" id="{E5730365-D10B-1548-BE3C-FC680D165E99}"/>
+                <a16:creationId xmlns="" xmlns:a16="http://schemas.microsoft.com/office/drawing/2014/main" id="{E5730365-D10B-1548-BE3C-FC680D165E99}"/>
               </a:ext>
             </a:extLst>
           </p:cNvPr>
@@ -1014,7 +1014,7 @@
           <p:cNvPr id="3" name="Text Placeholder 2">
             <a:extLst>
               <a:ext uri="{FF2B5EF4-FFF2-40B4-BE49-F238E27FC236}">
-                <a16:creationId xmlns:a16="http://schemas.microsoft.com/office/drawing/2014/main" xmlns="" id="{BD558FA5-4770-7545-AA6C-B27E7AFC48FB}"/>
+                <a16:creationId xmlns="" xmlns:a16="http://schemas.microsoft.com/office/drawing/2014/main" id="{BD558FA5-4770-7545-AA6C-B27E7AFC48FB}"/>
               </a:ext>
             </a:extLst>
           </p:cNvPr>
@@ -1139,7 +1139,7 @@
           <p:cNvPr id="4" name="Date Placeholder 3">
             <a:extLst>
               <a:ext uri="{FF2B5EF4-FFF2-40B4-BE49-F238E27FC236}">
-                <a16:creationId xmlns:a16="http://schemas.microsoft.com/office/drawing/2014/main" xmlns="" id="{550D4872-1570-E04B-B667-FD8F8822DA41}"/>
+                <a16:creationId xmlns="" xmlns:a16="http://schemas.microsoft.com/office/drawing/2014/main" id="{550D4872-1570-E04B-B667-FD8F8822DA41}"/>
               </a:ext>
             </a:extLst>
           </p:cNvPr>
@@ -1158,7 +1158,7 @@
             <a:fld id="{77597A0D-CA40-D14B-B759-FDC2B523C727}" type="datetimeFigureOut">
               <a:rPr lang="en-US" smtClean="0"/>
               <a:pPr/>
-              <a:t>5/24/2021</a:t>
+              <a:t>6/20/2021</a:t>
             </a:fld>
             <a:endParaRPr lang="en-US"/>
           </a:p>
@@ -1169,7 +1169,7 @@
           <p:cNvPr id="5" name="Footer Placeholder 4">
             <a:extLst>
               <a:ext uri="{FF2B5EF4-FFF2-40B4-BE49-F238E27FC236}">
-                <a16:creationId xmlns:a16="http://schemas.microsoft.com/office/drawing/2014/main" xmlns="" id="{8D4129A3-7C60-784D-B2B6-4783D4D4AA4A}"/>
+                <a16:creationId xmlns="" xmlns:a16="http://schemas.microsoft.com/office/drawing/2014/main" id="{8D4129A3-7C60-784D-B2B6-4783D4D4AA4A}"/>
               </a:ext>
             </a:extLst>
           </p:cNvPr>
@@ -1194,7 +1194,7 @@
           <p:cNvPr id="6" name="Slide Number Placeholder 5">
             <a:extLst>
               <a:ext uri="{FF2B5EF4-FFF2-40B4-BE49-F238E27FC236}">
-                <a16:creationId xmlns:a16="http://schemas.microsoft.com/office/drawing/2014/main" xmlns="" id="{C9B0CC39-4D5E-974A-81CB-DA633348CC75}"/>
+                <a16:creationId xmlns="" xmlns:a16="http://schemas.microsoft.com/office/drawing/2014/main" id="{C9B0CC39-4D5E-974A-81CB-DA633348CC75}"/>
               </a:ext>
             </a:extLst>
           </p:cNvPr>
@@ -1222,7 +1222,7 @@
     </p:spTree>
     <p:extLst>
       <p:ext uri="{BB962C8B-B14F-4D97-AF65-F5344CB8AC3E}">
-        <p14:creationId xmlns:p14="http://schemas.microsoft.com/office/powerpoint/2010/main" xmlns="" val="3201631873"/>
+        <p14:creationId xmlns="" xmlns:p14="http://schemas.microsoft.com/office/powerpoint/2010/main" val="3201631873"/>
       </p:ext>
     </p:extLst>
   </p:cSld>
@@ -1254,7 +1254,7 @@
           <p:cNvPr id="2" name="Title 1">
             <a:extLst>
               <a:ext uri="{FF2B5EF4-FFF2-40B4-BE49-F238E27FC236}">
-                <a16:creationId xmlns:a16="http://schemas.microsoft.com/office/drawing/2014/main" xmlns="" id="{8FD67D93-3898-E442-80C8-4D90594C9203}"/>
+                <a16:creationId xmlns="" xmlns:a16="http://schemas.microsoft.com/office/drawing/2014/main" id="{8FD67D93-3898-E442-80C8-4D90594C9203}"/>
               </a:ext>
             </a:extLst>
           </p:cNvPr>
@@ -1283,7 +1283,7 @@
           <p:cNvPr id="3" name="Content Placeholder 2">
             <a:extLst>
               <a:ext uri="{FF2B5EF4-FFF2-40B4-BE49-F238E27FC236}">
-                <a16:creationId xmlns:a16="http://schemas.microsoft.com/office/drawing/2014/main" xmlns="" id="{343791E0-087E-1041-9DD9-32AB7F22C09A}"/>
+                <a16:creationId xmlns="" xmlns:a16="http://schemas.microsoft.com/office/drawing/2014/main" id="{343791E0-087E-1041-9DD9-32AB7F22C09A}"/>
               </a:ext>
             </a:extLst>
           </p:cNvPr>
@@ -1346,7 +1346,7 @@
           <p:cNvPr id="4" name="Content Placeholder 3">
             <a:extLst>
               <a:ext uri="{FF2B5EF4-FFF2-40B4-BE49-F238E27FC236}">
-                <a16:creationId xmlns:a16="http://schemas.microsoft.com/office/drawing/2014/main" xmlns="" id="{D9E86F10-4414-324A-B9B6-B98FA085586D}"/>
+                <a16:creationId xmlns="" xmlns:a16="http://schemas.microsoft.com/office/drawing/2014/main" id="{D9E86F10-4414-324A-B9B6-B98FA085586D}"/>
               </a:ext>
             </a:extLst>
           </p:cNvPr>
@@ -1409,7 +1409,7 @@
           <p:cNvPr id="5" name="Date Placeholder 4">
             <a:extLst>
               <a:ext uri="{FF2B5EF4-FFF2-40B4-BE49-F238E27FC236}">
-                <a16:creationId xmlns:a16="http://schemas.microsoft.com/office/drawing/2014/main" xmlns="" id="{0F76B93C-E793-2948-BD2A-88369EB055FF}"/>
+                <a16:creationId xmlns="" xmlns:a16="http://schemas.microsoft.com/office/drawing/2014/main" id="{0F76B93C-E793-2948-BD2A-88369EB055FF}"/>
               </a:ext>
             </a:extLst>
           </p:cNvPr>
@@ -1428,7 +1428,7 @@
             <a:fld id="{77597A0D-CA40-D14B-B759-FDC2B523C727}" type="datetimeFigureOut">
               <a:rPr lang="en-US" smtClean="0"/>
               <a:pPr/>
-              <a:t>5/24/2021</a:t>
+              <a:t>6/20/2021</a:t>
             </a:fld>
             <a:endParaRPr lang="en-US"/>
           </a:p>
@@ -1439,7 +1439,7 @@
           <p:cNvPr id="6" name="Footer Placeholder 5">
             <a:extLst>
               <a:ext uri="{FF2B5EF4-FFF2-40B4-BE49-F238E27FC236}">
-                <a16:creationId xmlns:a16="http://schemas.microsoft.com/office/drawing/2014/main" xmlns="" id="{C5D77434-D6D7-ED4A-B85B-B6D97AC19190}"/>
+                <a16:creationId xmlns="" xmlns:a16="http://schemas.microsoft.com/office/drawing/2014/main" id="{C5D77434-D6D7-ED4A-B85B-B6D97AC19190}"/>
               </a:ext>
             </a:extLst>
           </p:cNvPr>
@@ -1464,7 +1464,7 @@
           <p:cNvPr id="7" name="Slide Number Placeholder 6">
             <a:extLst>
               <a:ext uri="{FF2B5EF4-FFF2-40B4-BE49-F238E27FC236}">
-                <a16:creationId xmlns:a16="http://schemas.microsoft.com/office/drawing/2014/main" xmlns="" id="{90E29E37-0B1A-B241-B63F-1707D8498E07}"/>
+                <a16:creationId xmlns="" xmlns:a16="http://schemas.microsoft.com/office/drawing/2014/main" id="{90E29E37-0B1A-B241-B63F-1707D8498E07}"/>
               </a:ext>
             </a:extLst>
           </p:cNvPr>
@@ -1492,7 +1492,7 @@
     </p:spTree>
     <p:extLst>
       <p:ext uri="{BB962C8B-B14F-4D97-AF65-F5344CB8AC3E}">
-        <p14:creationId xmlns:p14="http://schemas.microsoft.com/office/powerpoint/2010/main" xmlns="" val="3356680818"/>
+        <p14:creationId xmlns="" xmlns:p14="http://schemas.microsoft.com/office/powerpoint/2010/main" val="3356680818"/>
       </p:ext>
     </p:extLst>
   </p:cSld>
@@ -1524,7 +1524,7 @@
           <p:cNvPr id="2" name="Title 1">
             <a:extLst>
               <a:ext uri="{FF2B5EF4-FFF2-40B4-BE49-F238E27FC236}">
-                <a16:creationId xmlns:a16="http://schemas.microsoft.com/office/drawing/2014/main" xmlns="" id="{9DE9A875-1C62-C045-B8B9-68CE814489E7}"/>
+                <a16:creationId xmlns="" xmlns:a16="http://schemas.microsoft.com/office/drawing/2014/main" id="{9DE9A875-1C62-C045-B8B9-68CE814489E7}"/>
               </a:ext>
             </a:extLst>
           </p:cNvPr>
@@ -1558,7 +1558,7 @@
           <p:cNvPr id="3" name="Text Placeholder 2">
             <a:extLst>
               <a:ext uri="{FF2B5EF4-FFF2-40B4-BE49-F238E27FC236}">
-                <a16:creationId xmlns:a16="http://schemas.microsoft.com/office/drawing/2014/main" xmlns="" id="{A5627461-50B4-D14B-B8C1-62907E70258D}"/>
+                <a16:creationId xmlns="" xmlns:a16="http://schemas.microsoft.com/office/drawing/2014/main" id="{A5627461-50B4-D14B-B8C1-62907E70258D}"/>
               </a:ext>
             </a:extLst>
           </p:cNvPr>
@@ -1629,7 +1629,7 @@
           <p:cNvPr id="4" name="Content Placeholder 3">
             <a:extLst>
               <a:ext uri="{FF2B5EF4-FFF2-40B4-BE49-F238E27FC236}">
-                <a16:creationId xmlns:a16="http://schemas.microsoft.com/office/drawing/2014/main" xmlns="" id="{7FAFA771-762D-7D42-B5AB-68124C7BA4D5}"/>
+                <a16:creationId xmlns="" xmlns:a16="http://schemas.microsoft.com/office/drawing/2014/main" id="{7FAFA771-762D-7D42-B5AB-68124C7BA4D5}"/>
               </a:ext>
             </a:extLst>
           </p:cNvPr>
@@ -1692,7 +1692,7 @@
           <p:cNvPr id="5" name="Text Placeholder 4">
             <a:extLst>
               <a:ext uri="{FF2B5EF4-FFF2-40B4-BE49-F238E27FC236}">
-                <a16:creationId xmlns:a16="http://schemas.microsoft.com/office/drawing/2014/main" xmlns="" id="{3BBCE363-615D-7A44-8C2B-E640B96E854F}"/>
+                <a16:creationId xmlns="" xmlns:a16="http://schemas.microsoft.com/office/drawing/2014/main" id="{3BBCE363-615D-7A44-8C2B-E640B96E854F}"/>
               </a:ext>
             </a:extLst>
           </p:cNvPr>
@@ -1763,7 +1763,7 @@
           <p:cNvPr id="6" name="Content Placeholder 5">
             <a:extLst>
               <a:ext uri="{FF2B5EF4-FFF2-40B4-BE49-F238E27FC236}">
-                <a16:creationId xmlns:a16="http://schemas.microsoft.com/office/drawing/2014/main" xmlns="" id="{7BB42371-E14E-FF48-8D5C-AC413E6E3B65}"/>
+                <a16:creationId xmlns="" xmlns:a16="http://schemas.microsoft.com/office/drawing/2014/main" id="{7BB42371-E14E-FF48-8D5C-AC413E6E3B65}"/>
               </a:ext>
             </a:extLst>
           </p:cNvPr>
@@ -1826,7 +1826,7 @@
           <p:cNvPr id="7" name="Date Placeholder 6">
             <a:extLst>
               <a:ext uri="{FF2B5EF4-FFF2-40B4-BE49-F238E27FC236}">
-                <a16:creationId xmlns:a16="http://schemas.microsoft.com/office/drawing/2014/main" xmlns="" id="{3839A30D-1A39-4047-93B9-815D11D9770A}"/>
+                <a16:creationId xmlns="" xmlns:a16="http://schemas.microsoft.com/office/drawing/2014/main" id="{3839A30D-1A39-4047-93B9-815D11D9770A}"/>
               </a:ext>
             </a:extLst>
           </p:cNvPr>
@@ -1845,7 +1845,7 @@
             <a:fld id="{77597A0D-CA40-D14B-B759-FDC2B523C727}" type="datetimeFigureOut">
               <a:rPr lang="en-US" smtClean="0"/>
               <a:pPr/>
-              <a:t>5/24/2021</a:t>
+              <a:t>6/20/2021</a:t>
             </a:fld>
             <a:endParaRPr lang="en-US"/>
           </a:p>
@@ -1856,7 +1856,7 @@
           <p:cNvPr id="8" name="Footer Placeholder 7">
             <a:extLst>
               <a:ext uri="{FF2B5EF4-FFF2-40B4-BE49-F238E27FC236}">
-                <a16:creationId xmlns:a16="http://schemas.microsoft.com/office/drawing/2014/main" xmlns="" id="{C626A797-4042-064A-A92C-F0C083E1B188}"/>
+                <a16:creationId xmlns="" xmlns:a16="http://schemas.microsoft.com/office/drawing/2014/main" id="{C626A797-4042-064A-A92C-F0C083E1B188}"/>
               </a:ext>
             </a:extLst>
           </p:cNvPr>
@@ -1881,7 +1881,7 @@
           <p:cNvPr id="9" name="Slide Number Placeholder 8">
             <a:extLst>
               <a:ext uri="{FF2B5EF4-FFF2-40B4-BE49-F238E27FC236}">
-                <a16:creationId xmlns:a16="http://schemas.microsoft.com/office/drawing/2014/main" xmlns="" id="{4BF30EDB-B1F7-C14D-A616-436BE9496040}"/>
+                <a16:creationId xmlns="" xmlns:a16="http://schemas.microsoft.com/office/drawing/2014/main" id="{4BF30EDB-B1F7-C14D-A616-436BE9496040}"/>
               </a:ext>
             </a:extLst>
           </p:cNvPr>
@@ -1909,7 +1909,7 @@
     </p:spTree>
     <p:extLst>
       <p:ext uri="{BB962C8B-B14F-4D97-AF65-F5344CB8AC3E}">
-        <p14:creationId xmlns:p14="http://schemas.microsoft.com/office/powerpoint/2010/main" xmlns="" val="1105786769"/>
+        <p14:creationId xmlns="" xmlns:p14="http://schemas.microsoft.com/office/powerpoint/2010/main" val="1105786769"/>
       </p:ext>
     </p:extLst>
   </p:cSld>
@@ -1941,7 +1941,7 @@
           <p:cNvPr id="2" name="Title 1">
             <a:extLst>
               <a:ext uri="{FF2B5EF4-FFF2-40B4-BE49-F238E27FC236}">
-                <a16:creationId xmlns:a16="http://schemas.microsoft.com/office/drawing/2014/main" xmlns="" id="{7BB82F1B-E65F-484E-AA98-CF91F0272B61}"/>
+                <a16:creationId xmlns="" xmlns:a16="http://schemas.microsoft.com/office/drawing/2014/main" id="{7BB82F1B-E65F-484E-AA98-CF91F0272B61}"/>
               </a:ext>
             </a:extLst>
           </p:cNvPr>
@@ -1970,7 +1970,7 @@
           <p:cNvPr id="3" name="Date Placeholder 2">
             <a:extLst>
               <a:ext uri="{FF2B5EF4-FFF2-40B4-BE49-F238E27FC236}">
-                <a16:creationId xmlns:a16="http://schemas.microsoft.com/office/drawing/2014/main" xmlns="" id="{16E4D6FA-76BA-254D-90F8-3840274B70CD}"/>
+                <a16:creationId xmlns="" xmlns:a16="http://schemas.microsoft.com/office/drawing/2014/main" id="{16E4D6FA-76BA-254D-90F8-3840274B70CD}"/>
               </a:ext>
             </a:extLst>
           </p:cNvPr>
@@ -1989,7 +1989,7 @@
             <a:fld id="{77597A0D-CA40-D14B-B759-FDC2B523C727}" type="datetimeFigureOut">
               <a:rPr lang="en-US" smtClean="0"/>
               <a:pPr/>
-              <a:t>5/24/2021</a:t>
+              <a:t>6/20/2021</a:t>
             </a:fld>
             <a:endParaRPr lang="en-US"/>
           </a:p>
@@ -2000,7 +2000,7 @@
           <p:cNvPr id="4" name="Footer Placeholder 3">
             <a:extLst>
               <a:ext uri="{FF2B5EF4-FFF2-40B4-BE49-F238E27FC236}">
-                <a16:creationId xmlns:a16="http://schemas.microsoft.com/office/drawing/2014/main" xmlns="" id="{4BC41DC3-10BF-084A-916F-479F0F3BD461}"/>
+                <a16:creationId xmlns="" xmlns:a16="http://schemas.microsoft.com/office/drawing/2014/main" id="{4BC41DC3-10BF-084A-916F-479F0F3BD461}"/>
               </a:ext>
             </a:extLst>
           </p:cNvPr>
@@ -2025,7 +2025,7 @@
           <p:cNvPr id="5" name="Slide Number Placeholder 4">
             <a:extLst>
               <a:ext uri="{FF2B5EF4-FFF2-40B4-BE49-F238E27FC236}">
-                <a16:creationId xmlns:a16="http://schemas.microsoft.com/office/drawing/2014/main" xmlns="" id="{02D11757-4BF6-1B48-9FD4-A71CE4550F84}"/>
+                <a16:creationId xmlns="" xmlns:a16="http://schemas.microsoft.com/office/drawing/2014/main" id="{02D11757-4BF6-1B48-9FD4-A71CE4550F84}"/>
               </a:ext>
             </a:extLst>
           </p:cNvPr>
@@ -2053,7 +2053,7 @@
     </p:spTree>
     <p:extLst>
       <p:ext uri="{BB962C8B-B14F-4D97-AF65-F5344CB8AC3E}">
-        <p14:creationId xmlns:p14="http://schemas.microsoft.com/office/powerpoint/2010/main" xmlns="" val="3278171365"/>
+        <p14:creationId xmlns="" xmlns:p14="http://schemas.microsoft.com/office/powerpoint/2010/main" val="3278171365"/>
       </p:ext>
     </p:extLst>
   </p:cSld>
@@ -2085,7 +2085,7 @@
           <p:cNvPr id="2" name="Date Placeholder 1">
             <a:extLst>
               <a:ext uri="{FF2B5EF4-FFF2-40B4-BE49-F238E27FC236}">
-                <a16:creationId xmlns:a16="http://schemas.microsoft.com/office/drawing/2014/main" xmlns="" id="{6847AA01-0DE5-C748-B1CC-D380B0FD4249}"/>
+                <a16:creationId xmlns="" xmlns:a16="http://schemas.microsoft.com/office/drawing/2014/main" id="{6847AA01-0DE5-C748-B1CC-D380B0FD4249}"/>
               </a:ext>
             </a:extLst>
           </p:cNvPr>
@@ -2104,7 +2104,7 @@
             <a:fld id="{77597A0D-CA40-D14B-B759-FDC2B523C727}" type="datetimeFigureOut">
               <a:rPr lang="en-US" smtClean="0"/>
               <a:pPr/>
-              <a:t>5/24/2021</a:t>
+              <a:t>6/20/2021</a:t>
             </a:fld>
             <a:endParaRPr lang="en-US"/>
           </a:p>
@@ -2115,7 +2115,7 @@
           <p:cNvPr id="3" name="Footer Placeholder 2">
             <a:extLst>
               <a:ext uri="{FF2B5EF4-FFF2-40B4-BE49-F238E27FC236}">
-                <a16:creationId xmlns:a16="http://schemas.microsoft.com/office/drawing/2014/main" xmlns="" id="{5F832E08-82CE-5247-93E8-261CE2829F40}"/>
+                <a16:creationId xmlns="" xmlns:a16="http://schemas.microsoft.com/office/drawing/2014/main" id="{5F832E08-82CE-5247-93E8-261CE2829F40}"/>
               </a:ext>
             </a:extLst>
           </p:cNvPr>
@@ -2140,7 +2140,7 @@
           <p:cNvPr id="4" name="Slide Number Placeholder 3">
             <a:extLst>
               <a:ext uri="{FF2B5EF4-FFF2-40B4-BE49-F238E27FC236}">
-                <a16:creationId xmlns:a16="http://schemas.microsoft.com/office/drawing/2014/main" xmlns="" id="{AEC78011-C79A-D941-9B97-3A107FD4A4EF}"/>
+                <a16:creationId xmlns="" xmlns:a16="http://schemas.microsoft.com/office/drawing/2014/main" id="{AEC78011-C79A-D941-9B97-3A107FD4A4EF}"/>
               </a:ext>
             </a:extLst>
           </p:cNvPr>
@@ -2168,7 +2168,7 @@
     </p:spTree>
     <p:extLst>
       <p:ext uri="{BB962C8B-B14F-4D97-AF65-F5344CB8AC3E}">
-        <p14:creationId xmlns:p14="http://schemas.microsoft.com/office/powerpoint/2010/main" xmlns="" val="224596212"/>
+        <p14:creationId xmlns="" xmlns:p14="http://schemas.microsoft.com/office/powerpoint/2010/main" val="224596212"/>
       </p:ext>
     </p:extLst>
   </p:cSld>
@@ -2200,7 +2200,7 @@
           <p:cNvPr id="2" name="Title 1">
             <a:extLst>
               <a:ext uri="{FF2B5EF4-FFF2-40B4-BE49-F238E27FC236}">
-                <a16:creationId xmlns:a16="http://schemas.microsoft.com/office/drawing/2014/main" xmlns="" id="{DB93699D-A302-954D-9459-297FC49EB363}"/>
+                <a16:creationId xmlns="" xmlns:a16="http://schemas.microsoft.com/office/drawing/2014/main" id="{DB93699D-A302-954D-9459-297FC49EB363}"/>
               </a:ext>
             </a:extLst>
           </p:cNvPr>
@@ -2238,7 +2238,7 @@
           <p:cNvPr id="3" name="Content Placeholder 2">
             <a:extLst>
               <a:ext uri="{FF2B5EF4-FFF2-40B4-BE49-F238E27FC236}">
-                <a16:creationId xmlns:a16="http://schemas.microsoft.com/office/drawing/2014/main" xmlns="" id="{CD2E53C5-804C-F544-BDE7-3CE8315DB7D5}"/>
+                <a16:creationId xmlns="" xmlns:a16="http://schemas.microsoft.com/office/drawing/2014/main" id="{CD2E53C5-804C-F544-BDE7-3CE8315DB7D5}"/>
               </a:ext>
             </a:extLst>
           </p:cNvPr>
@@ -2329,7 +2329,7 @@
           <p:cNvPr id="4" name="Text Placeholder 3">
             <a:extLst>
               <a:ext uri="{FF2B5EF4-FFF2-40B4-BE49-F238E27FC236}">
-                <a16:creationId xmlns:a16="http://schemas.microsoft.com/office/drawing/2014/main" xmlns="" id="{81374E0F-49CF-7341-AD2E-522486FF660D}"/>
+                <a16:creationId xmlns="" xmlns:a16="http://schemas.microsoft.com/office/drawing/2014/main" id="{81374E0F-49CF-7341-AD2E-522486FF660D}"/>
               </a:ext>
             </a:extLst>
           </p:cNvPr>
@@ -2400,7 +2400,7 @@
           <p:cNvPr id="5" name="Date Placeholder 4">
             <a:extLst>
               <a:ext uri="{FF2B5EF4-FFF2-40B4-BE49-F238E27FC236}">
-                <a16:creationId xmlns:a16="http://schemas.microsoft.com/office/drawing/2014/main" xmlns="" id="{C361CE74-1934-9342-84EB-07EF9A72D90F}"/>
+                <a16:creationId xmlns="" xmlns:a16="http://schemas.microsoft.com/office/drawing/2014/main" id="{C361CE74-1934-9342-84EB-07EF9A72D90F}"/>
               </a:ext>
             </a:extLst>
           </p:cNvPr>
@@ -2419,7 +2419,7 @@
             <a:fld id="{77597A0D-CA40-D14B-B759-FDC2B523C727}" type="datetimeFigureOut">
               <a:rPr lang="en-US" smtClean="0"/>
               <a:pPr/>
-              <a:t>5/24/2021</a:t>
+              <a:t>6/20/2021</a:t>
             </a:fld>
             <a:endParaRPr lang="en-US"/>
           </a:p>
@@ -2430,7 +2430,7 @@
           <p:cNvPr id="6" name="Footer Placeholder 5">
             <a:extLst>
               <a:ext uri="{FF2B5EF4-FFF2-40B4-BE49-F238E27FC236}">
-                <a16:creationId xmlns:a16="http://schemas.microsoft.com/office/drawing/2014/main" xmlns="" id="{73272D74-9386-EA44-9DE7-70F07B0A0F54}"/>
+                <a16:creationId xmlns="" xmlns:a16="http://schemas.microsoft.com/office/drawing/2014/main" id="{73272D74-9386-EA44-9DE7-70F07B0A0F54}"/>
               </a:ext>
             </a:extLst>
           </p:cNvPr>
@@ -2455,7 +2455,7 @@
           <p:cNvPr id="7" name="Slide Number Placeholder 6">
             <a:extLst>
               <a:ext uri="{FF2B5EF4-FFF2-40B4-BE49-F238E27FC236}">
-                <a16:creationId xmlns:a16="http://schemas.microsoft.com/office/drawing/2014/main" xmlns="" id="{10BE69B6-F5D1-4E4D-ADCC-8EF8DED66C44}"/>
+                <a16:creationId xmlns="" xmlns:a16="http://schemas.microsoft.com/office/drawing/2014/main" id="{10BE69B6-F5D1-4E4D-ADCC-8EF8DED66C44}"/>
               </a:ext>
             </a:extLst>
           </p:cNvPr>
@@ -2483,7 +2483,7 @@
     </p:spTree>
     <p:extLst>
       <p:ext uri="{BB962C8B-B14F-4D97-AF65-F5344CB8AC3E}">
-        <p14:creationId xmlns:p14="http://schemas.microsoft.com/office/powerpoint/2010/main" xmlns="" val="222152713"/>
+        <p14:creationId xmlns="" xmlns:p14="http://schemas.microsoft.com/office/powerpoint/2010/main" val="222152713"/>
       </p:ext>
     </p:extLst>
   </p:cSld>
@@ -2515,7 +2515,7 @@
           <p:cNvPr id="2" name="Title 1">
             <a:extLst>
               <a:ext uri="{FF2B5EF4-FFF2-40B4-BE49-F238E27FC236}">
-                <a16:creationId xmlns:a16="http://schemas.microsoft.com/office/drawing/2014/main" xmlns="" id="{D0B8F52E-9767-B84C-93F8-6C4DC0E4DE33}"/>
+                <a16:creationId xmlns="" xmlns:a16="http://schemas.microsoft.com/office/drawing/2014/main" id="{D0B8F52E-9767-B84C-93F8-6C4DC0E4DE33}"/>
               </a:ext>
             </a:extLst>
           </p:cNvPr>
@@ -2553,7 +2553,7 @@
           <p:cNvPr id="3" name="Picture Placeholder 2">
             <a:extLst>
               <a:ext uri="{FF2B5EF4-FFF2-40B4-BE49-F238E27FC236}">
-                <a16:creationId xmlns:a16="http://schemas.microsoft.com/office/drawing/2014/main" xmlns="" id="{346909FA-2C8C-DF41-B730-A186E3D0983A}"/>
+                <a16:creationId xmlns="" xmlns:a16="http://schemas.microsoft.com/office/drawing/2014/main" id="{346909FA-2C8C-DF41-B730-A186E3D0983A}"/>
               </a:ext>
             </a:extLst>
           </p:cNvPr>
@@ -2620,7 +2620,7 @@
           <p:cNvPr id="4" name="Text Placeholder 3">
             <a:extLst>
               <a:ext uri="{FF2B5EF4-FFF2-40B4-BE49-F238E27FC236}">
-                <a16:creationId xmlns:a16="http://schemas.microsoft.com/office/drawing/2014/main" xmlns="" id="{16D4C63B-E8DA-CE48-AF23-D09790333365}"/>
+                <a16:creationId xmlns="" xmlns:a16="http://schemas.microsoft.com/office/drawing/2014/main" id="{16D4C63B-E8DA-CE48-AF23-D09790333365}"/>
               </a:ext>
             </a:extLst>
           </p:cNvPr>
@@ -2691,7 +2691,7 @@
           <p:cNvPr id="5" name="Date Placeholder 4">
             <a:extLst>
               <a:ext uri="{FF2B5EF4-FFF2-40B4-BE49-F238E27FC236}">
-                <a16:creationId xmlns:a16="http://schemas.microsoft.com/office/drawing/2014/main" xmlns="" id="{97907AF2-1FE4-F142-9088-3CF0310E7B5C}"/>
+                <a16:creationId xmlns="" xmlns:a16="http://schemas.microsoft.com/office/drawing/2014/main" id="{97907AF2-1FE4-F142-9088-3CF0310E7B5C}"/>
               </a:ext>
             </a:extLst>
           </p:cNvPr>
@@ -2710,7 +2710,7 @@
             <a:fld id="{77597A0D-CA40-D14B-B759-FDC2B523C727}" type="datetimeFigureOut">
               <a:rPr lang="en-US" smtClean="0"/>
               <a:pPr/>
-              <a:t>5/24/2021</a:t>
+              <a:t>6/20/2021</a:t>
             </a:fld>
             <a:endParaRPr lang="en-US"/>
           </a:p>
@@ -2721,7 +2721,7 @@
           <p:cNvPr id="6" name="Footer Placeholder 5">
             <a:extLst>
               <a:ext uri="{FF2B5EF4-FFF2-40B4-BE49-F238E27FC236}">
-                <a16:creationId xmlns:a16="http://schemas.microsoft.com/office/drawing/2014/main" xmlns="" id="{3A8F98EE-416A-894B-986B-1B875DCC4CDD}"/>
+                <a16:creationId xmlns="" xmlns:a16="http://schemas.microsoft.com/office/drawing/2014/main" id="{3A8F98EE-416A-894B-986B-1B875DCC4CDD}"/>
               </a:ext>
             </a:extLst>
           </p:cNvPr>
@@ -2746,7 +2746,7 @@
           <p:cNvPr id="7" name="Slide Number Placeholder 6">
             <a:extLst>
               <a:ext uri="{FF2B5EF4-FFF2-40B4-BE49-F238E27FC236}">
-                <a16:creationId xmlns:a16="http://schemas.microsoft.com/office/drawing/2014/main" xmlns="" id="{C3B5CFAD-8DA9-4F47-BB56-B71D3C9335C7}"/>
+                <a16:creationId xmlns="" xmlns:a16="http://schemas.microsoft.com/office/drawing/2014/main" id="{C3B5CFAD-8DA9-4F47-BB56-B71D3C9335C7}"/>
               </a:ext>
             </a:extLst>
           </p:cNvPr>
@@ -2774,7 +2774,7 @@
     </p:spTree>
     <p:extLst>
       <p:ext uri="{BB962C8B-B14F-4D97-AF65-F5344CB8AC3E}">
-        <p14:creationId xmlns:p14="http://schemas.microsoft.com/office/powerpoint/2010/main" xmlns="" val="1570717836"/>
+        <p14:creationId xmlns="" xmlns:p14="http://schemas.microsoft.com/office/powerpoint/2010/main" val="1570717836"/>
       </p:ext>
     </p:extLst>
   </p:cSld>
@@ -2811,7 +2811,7 @@
           <p:cNvPr id="2" name="Title Placeholder 1">
             <a:extLst>
               <a:ext uri="{FF2B5EF4-FFF2-40B4-BE49-F238E27FC236}">
-                <a16:creationId xmlns:a16="http://schemas.microsoft.com/office/drawing/2014/main" xmlns="" id="{2FC1A57D-0637-0D4C-AC3E-3333AEB732FD}"/>
+                <a16:creationId xmlns="" xmlns:a16="http://schemas.microsoft.com/office/drawing/2014/main" id="{2FC1A57D-0637-0D4C-AC3E-3333AEB732FD}"/>
               </a:ext>
             </a:extLst>
           </p:cNvPr>
@@ -2850,7 +2850,7 @@
           <p:cNvPr id="3" name="Text Placeholder 2">
             <a:extLst>
               <a:ext uri="{FF2B5EF4-FFF2-40B4-BE49-F238E27FC236}">
-                <a16:creationId xmlns:a16="http://schemas.microsoft.com/office/drawing/2014/main" xmlns="" id="{EEF5E77C-52E2-7D49-9B6F-D1AAB1C297CB}"/>
+                <a16:creationId xmlns="" xmlns:a16="http://schemas.microsoft.com/office/drawing/2014/main" id="{EEF5E77C-52E2-7D49-9B6F-D1AAB1C297CB}"/>
               </a:ext>
             </a:extLst>
           </p:cNvPr>
@@ -2918,7 +2918,7 @@
           <p:cNvPr id="4" name="Date Placeholder 3">
             <a:extLst>
               <a:ext uri="{FF2B5EF4-FFF2-40B4-BE49-F238E27FC236}">
-                <a16:creationId xmlns:a16="http://schemas.microsoft.com/office/drawing/2014/main" xmlns="" id="{7BBE68FD-4537-8A4A-B502-4A74BDAFCBAC}"/>
+                <a16:creationId xmlns="" xmlns:a16="http://schemas.microsoft.com/office/drawing/2014/main" id="{7BBE68FD-4537-8A4A-B502-4A74BDAFCBAC}"/>
               </a:ext>
             </a:extLst>
           </p:cNvPr>
@@ -2955,7 +2955,7 @@
             <a:fld id="{77597A0D-CA40-D14B-B759-FDC2B523C727}" type="datetimeFigureOut">
               <a:rPr lang="en-US" smtClean="0"/>
               <a:pPr/>
-              <a:t>5/24/2021</a:t>
+              <a:t>6/20/2021</a:t>
             </a:fld>
             <a:endParaRPr lang="en-US"/>
           </a:p>
@@ -2966,7 +2966,7 @@
           <p:cNvPr id="5" name="Footer Placeholder 4">
             <a:extLst>
               <a:ext uri="{FF2B5EF4-FFF2-40B4-BE49-F238E27FC236}">
-                <a16:creationId xmlns:a16="http://schemas.microsoft.com/office/drawing/2014/main" xmlns="" id="{00BCFF6F-D749-5245-B841-E0E6D5A9E039}"/>
+                <a16:creationId xmlns="" xmlns:a16="http://schemas.microsoft.com/office/drawing/2014/main" id="{00BCFF6F-D749-5245-B841-E0E6D5A9E039}"/>
               </a:ext>
             </a:extLst>
           </p:cNvPr>
@@ -3009,7 +3009,7 @@
           <p:cNvPr id="6" name="Slide Number Placeholder 5">
             <a:extLst>
               <a:ext uri="{FF2B5EF4-FFF2-40B4-BE49-F238E27FC236}">
-                <a16:creationId xmlns:a16="http://schemas.microsoft.com/office/drawing/2014/main" xmlns="" id="{DAC5EA0D-7960-3F43-832C-91ABD06A01E1}"/>
+                <a16:creationId xmlns="" xmlns:a16="http://schemas.microsoft.com/office/drawing/2014/main" id="{DAC5EA0D-7960-3F43-832C-91ABD06A01E1}"/>
               </a:ext>
             </a:extLst>
           </p:cNvPr>
@@ -3055,7 +3055,7 @@
     </p:spTree>
     <p:extLst>
       <p:ext uri="{BB962C8B-B14F-4D97-AF65-F5344CB8AC3E}">
-        <p14:creationId xmlns:p14="http://schemas.microsoft.com/office/powerpoint/2010/main" xmlns="" val="2393410640"/>
+        <p14:creationId xmlns="" xmlns:p14="http://schemas.microsoft.com/office/powerpoint/2010/main" val="2393410640"/>
       </p:ext>
     </p:extLst>
   </p:cSld>
@@ -3378,7 +3378,7 @@
           <p:cNvPr id="2" name="Title 1">
             <a:extLst>
               <a:ext uri="{FF2B5EF4-FFF2-40B4-BE49-F238E27FC236}">
-                <a16:creationId xmlns:a16="http://schemas.microsoft.com/office/drawing/2014/main" xmlns="" id="{55E85804-855D-5845-84A4-76E29F6B0086}"/>
+                <a16:creationId xmlns="" xmlns:a16="http://schemas.microsoft.com/office/drawing/2014/main" id="{55E85804-855D-5845-84A4-76E29F6B0086}"/>
               </a:ext>
             </a:extLst>
           </p:cNvPr>
@@ -3404,7 +3404,7 @@
     </p:spTree>
     <p:extLst>
       <p:ext uri="{BB962C8B-B14F-4D97-AF65-F5344CB8AC3E}">
-        <p14:creationId xmlns:p14="http://schemas.microsoft.com/office/powerpoint/2010/main" xmlns="" val="3738075784"/>
+        <p14:creationId xmlns="" xmlns:p14="http://schemas.microsoft.com/office/powerpoint/2010/main" val="3738075784"/>
       </p:ext>
     </p:extLst>
   </p:cSld>
@@ -3436,7 +3436,7 @@
           <p:cNvPr id="2" name="Picture 1">
             <a:extLst>
               <a:ext uri="{FF2B5EF4-FFF2-40B4-BE49-F238E27FC236}">
-                <a16:creationId xmlns:a16="http://schemas.microsoft.com/office/drawing/2014/main" xmlns="" id="{56E886F1-5187-0342-86B9-C4723AE71F9B}"/>
+                <a16:creationId xmlns="" xmlns:a16="http://schemas.microsoft.com/office/drawing/2014/main" id="{56E886F1-5187-0342-86B9-C4723AE71F9B}"/>
               </a:ext>
             </a:extLst>
           </p:cNvPr>
@@ -3464,7 +3464,7 @@
     </p:spTree>
     <p:extLst>
       <p:ext uri="{BB962C8B-B14F-4D97-AF65-F5344CB8AC3E}">
-        <p14:creationId xmlns:p14="http://schemas.microsoft.com/office/powerpoint/2010/main" xmlns="" val="4215369790"/>
+        <p14:creationId xmlns="" xmlns:p14="http://schemas.microsoft.com/office/powerpoint/2010/main" val="4215369790"/>
       </p:ext>
     </p:extLst>
   </p:cSld>
@@ -3581,21 +3581,21 @@
                 <a:gridCol w="1219200">
                   <a:extLst>
                     <a:ext uri="{9D8B030D-6E8A-4147-A177-3AD203B41FA5}">
-                      <a16:colId xmlns:a16="http://schemas.microsoft.com/office/drawing/2014/main" xmlns="" val="20000"/>
+                      <a16:colId xmlns="" xmlns:a16="http://schemas.microsoft.com/office/drawing/2014/main" val="20000"/>
                     </a:ext>
                   </a:extLst>
                 </a:gridCol>
                 <a:gridCol w="1219200">
                   <a:extLst>
                     <a:ext uri="{9D8B030D-6E8A-4147-A177-3AD203B41FA5}">
-                      <a16:colId xmlns:a16="http://schemas.microsoft.com/office/drawing/2014/main" xmlns="" val="20001"/>
+                      <a16:colId xmlns="" xmlns:a16="http://schemas.microsoft.com/office/drawing/2014/main" val="20001"/>
                     </a:ext>
                   </a:extLst>
                 </a:gridCol>
                 <a:gridCol w="1219200">
                   <a:extLst>
                     <a:ext uri="{9D8B030D-6E8A-4147-A177-3AD203B41FA5}">
-                      <a16:colId xmlns:a16="http://schemas.microsoft.com/office/drawing/2014/main" xmlns="" val="20002"/>
+                      <a16:colId xmlns="" xmlns:a16="http://schemas.microsoft.com/office/drawing/2014/main" val="20002"/>
                     </a:ext>
                   </a:extLst>
                 </a:gridCol>
@@ -3644,7 +3644,7 @@
                 </a:tc>
                 <a:extLst>
                   <a:ext uri="{0D108BD9-81ED-4DB2-BD59-A6C34878D82A}">
-                    <a16:rowId xmlns:a16="http://schemas.microsoft.com/office/drawing/2014/main" xmlns="" val="10000"/>
+                    <a16:rowId xmlns="" xmlns:a16="http://schemas.microsoft.com/office/drawing/2014/main" val="10000"/>
                   </a:ext>
                 </a:extLst>
               </a:tr>
@@ -3714,7 +3714,7 @@
                 </a:tc>
                 <a:extLst>
                   <a:ext uri="{0D108BD9-81ED-4DB2-BD59-A6C34878D82A}">
-                    <a16:rowId xmlns:a16="http://schemas.microsoft.com/office/drawing/2014/main" xmlns="" val="10001"/>
+                    <a16:rowId xmlns="" xmlns:a16="http://schemas.microsoft.com/office/drawing/2014/main" val="10001"/>
                   </a:ext>
                 </a:extLst>
               </a:tr>
@@ -3784,7 +3784,7 @@
                 </a:tc>
                 <a:extLst>
                   <a:ext uri="{0D108BD9-81ED-4DB2-BD59-A6C34878D82A}">
-                    <a16:rowId xmlns:a16="http://schemas.microsoft.com/office/drawing/2014/main" xmlns="" val="10002"/>
+                    <a16:rowId xmlns="" xmlns:a16="http://schemas.microsoft.com/office/drawing/2014/main" val="10002"/>
                   </a:ext>
                 </a:extLst>
               </a:tr>
@@ -3910,7 +3910,7 @@
     </p:spTree>
     <p:extLst>
       <p:ext uri="{BB962C8B-B14F-4D97-AF65-F5344CB8AC3E}">
-        <p14:creationId xmlns:p14="http://schemas.microsoft.com/office/powerpoint/2010/main" xmlns="" val="4018872133"/>
+        <p14:creationId xmlns="" xmlns:p14="http://schemas.microsoft.com/office/powerpoint/2010/main" val="4018872133"/>
       </p:ext>
     </p:extLst>
   </p:cSld>
@@ -3942,7 +3942,7 @@
           <p:cNvPr id="2" name="Picture 1">
             <a:extLst>
               <a:ext uri="{FF2B5EF4-FFF2-40B4-BE49-F238E27FC236}">
-                <a16:creationId xmlns:a16="http://schemas.microsoft.com/office/drawing/2014/main" xmlns="" id="{784BE127-6BA9-5D4F-9364-B9AED02DF247}"/>
+                <a16:creationId xmlns="" xmlns:a16="http://schemas.microsoft.com/office/drawing/2014/main" id="{784BE127-6BA9-5D4F-9364-B9AED02DF247}"/>
               </a:ext>
             </a:extLst>
           </p:cNvPr>
@@ -3972,7 +3972,7 @@
           <p:cNvPr id="3" name="Rectangle 2">
             <a:extLst>
               <a:ext uri="{FF2B5EF4-FFF2-40B4-BE49-F238E27FC236}">
-                <a16:creationId xmlns:a16="http://schemas.microsoft.com/office/drawing/2014/main" xmlns="" id="{DCB6BC49-E04B-E846-A5CE-D0E8D4078806}"/>
+                <a16:creationId xmlns="" xmlns:a16="http://schemas.microsoft.com/office/drawing/2014/main" id="{DCB6BC49-E04B-E846-A5CE-D0E8D4078806}"/>
               </a:ext>
             </a:extLst>
           </p:cNvPr>
@@ -4007,7 +4007,7 @@
     </p:spTree>
     <p:extLst>
       <p:ext uri="{BB962C8B-B14F-4D97-AF65-F5344CB8AC3E}">
-        <p14:creationId xmlns:p14="http://schemas.microsoft.com/office/powerpoint/2010/main" xmlns="" val="288857079"/>
+        <p14:creationId xmlns="" xmlns:p14="http://schemas.microsoft.com/office/powerpoint/2010/main" val="288857079"/>
       </p:ext>
     </p:extLst>
   </p:cSld>
@@ -4039,7 +4039,7 @@
           <p:cNvPr id="2" name="Picture 1">
             <a:extLst>
               <a:ext uri="{FF2B5EF4-FFF2-40B4-BE49-F238E27FC236}">
-                <a16:creationId xmlns:a16="http://schemas.microsoft.com/office/drawing/2014/main" xmlns="" id="{6CCE6D78-5235-DC4A-B624-0A51D96CD3F7}"/>
+                <a16:creationId xmlns="" xmlns:a16="http://schemas.microsoft.com/office/drawing/2014/main" id="{6CCE6D78-5235-DC4A-B624-0A51D96CD3F7}"/>
               </a:ext>
             </a:extLst>
           </p:cNvPr>
@@ -4067,7 +4067,7 @@
     </p:spTree>
     <p:extLst>
       <p:ext uri="{BB962C8B-B14F-4D97-AF65-F5344CB8AC3E}">
-        <p14:creationId xmlns:p14="http://schemas.microsoft.com/office/powerpoint/2010/main" xmlns="" val="3885782115"/>
+        <p14:creationId xmlns="" xmlns:p14="http://schemas.microsoft.com/office/powerpoint/2010/main" val="3885782115"/>
       </p:ext>
     </p:extLst>
   </p:cSld>
@@ -4099,7 +4099,7 @@
           <p:cNvPr id="2" name="Picture 1">
             <a:extLst>
               <a:ext uri="{FF2B5EF4-FFF2-40B4-BE49-F238E27FC236}">
-                <a16:creationId xmlns:a16="http://schemas.microsoft.com/office/drawing/2014/main" xmlns="" id="{961BABE5-4A67-7B44-AD6A-06CE36C1C76F}"/>
+                <a16:creationId xmlns="" xmlns:a16="http://schemas.microsoft.com/office/drawing/2014/main" id="{961BABE5-4A67-7B44-AD6A-06CE36C1C76F}"/>
               </a:ext>
             </a:extLst>
           </p:cNvPr>
@@ -4127,7 +4127,7 @@
     </p:spTree>
     <p:extLst>
       <p:ext uri="{BB962C8B-B14F-4D97-AF65-F5344CB8AC3E}">
-        <p14:creationId xmlns:p14="http://schemas.microsoft.com/office/powerpoint/2010/main" xmlns="" val="321828639"/>
+        <p14:creationId xmlns="" xmlns:p14="http://schemas.microsoft.com/office/powerpoint/2010/main" val="321828639"/>
       </p:ext>
     </p:extLst>
   </p:cSld>
@@ -4165,7 +4165,7 @@
           <p:cNvPr id="2" name="Rectangle 2">
             <a:extLst>
               <a:ext uri="{FF2B5EF4-FFF2-40B4-BE49-F238E27FC236}">
-                <a16:creationId xmlns:a16="http://schemas.microsoft.com/office/drawing/2014/main" xmlns="" id="{5406789C-45AE-2A4A-9329-E0DAB4A85684}"/>
+                <a16:creationId xmlns="" xmlns:a16="http://schemas.microsoft.com/office/drawing/2014/main" id="{5406789C-45AE-2A4A-9329-E0DAB4A85684}"/>
               </a:ext>
             </a:extLst>
           </p:cNvPr>
@@ -4189,14 +4189,14 @@
           <a:effectLst/>
           <a:extLst>
             <a:ext uri="{909E8E84-426E-40DD-AFC4-6F175D3DCCD1}">
-              <a14:hiddenFill xmlns:a14="http://schemas.microsoft.com/office/drawing/2010/main" xmlns="">
+              <a14:hiddenFill xmlns="" xmlns:a14="http://schemas.microsoft.com/office/drawing/2010/main">
                 <a:solidFill>
                   <a:schemeClr val="accent1"/>
                 </a:solidFill>
               </a14:hiddenFill>
             </a:ext>
             <a:ext uri="{91240B29-F687-4F45-9708-019B960494DF}">
-              <a14:hiddenLine xmlns:a14="http://schemas.microsoft.com/office/drawing/2010/main" xmlns="" w="9525">
+              <a14:hiddenLine xmlns="" xmlns:a14="http://schemas.microsoft.com/office/drawing/2010/main" w="9525">
                 <a:solidFill>
                   <a:schemeClr val="tx1"/>
                 </a:solidFill>
@@ -4206,7 +4206,7 @@
               </a14:hiddenLine>
             </a:ext>
             <a:ext uri="{AF507438-7753-43E0-B8FC-AC1667EBCBE1}">
-              <a14:hiddenEffects xmlns:a14="http://schemas.microsoft.com/office/drawing/2010/main" xmlns="">
+              <a14:hiddenEffects xmlns="" xmlns:a14="http://schemas.microsoft.com/office/drawing/2010/main">
                 <a:effectLst>
                   <a:outerShdw dist="35921" dir="2700000" algn="ctr" rotWithShape="0">
                     <a:schemeClr val="bg2"/>
@@ -4697,7 +4697,7 @@
     </p:spTree>
     <p:extLst>
       <p:ext uri="{BB962C8B-B14F-4D97-AF65-F5344CB8AC3E}">
-        <p14:creationId xmlns:p14="http://schemas.microsoft.com/office/powerpoint/2010/main" xmlns="" val="1675169695"/>
+        <p14:creationId xmlns="" xmlns:p14="http://schemas.microsoft.com/office/powerpoint/2010/main" val="1675169695"/>
       </p:ext>
     </p:extLst>
   </p:cSld>
@@ -4729,7 +4729,7 @@
           <p:cNvPr id="2" name="Rectangle 2">
             <a:extLst>
               <a:ext uri="{FF2B5EF4-FFF2-40B4-BE49-F238E27FC236}">
-                <a16:creationId xmlns:a16="http://schemas.microsoft.com/office/drawing/2014/main" xmlns="" id="{5406789C-45AE-2A4A-9329-E0DAB4A85684}"/>
+                <a16:creationId xmlns="" xmlns:a16="http://schemas.microsoft.com/office/drawing/2014/main" id="{5406789C-45AE-2A4A-9329-E0DAB4A85684}"/>
               </a:ext>
             </a:extLst>
           </p:cNvPr>
@@ -4753,14 +4753,14 @@
           <a:effectLst/>
           <a:extLst>
             <a:ext uri="{909E8E84-426E-40DD-AFC4-6F175D3DCCD1}">
-              <a14:hiddenFill xmlns:a14="http://schemas.microsoft.com/office/drawing/2010/main" xmlns="">
+              <a14:hiddenFill xmlns="" xmlns:a14="http://schemas.microsoft.com/office/drawing/2010/main">
                 <a:solidFill>
                   <a:schemeClr val="accent1"/>
                 </a:solidFill>
               </a14:hiddenFill>
             </a:ext>
             <a:ext uri="{91240B29-F687-4F45-9708-019B960494DF}">
-              <a14:hiddenLine xmlns:a14="http://schemas.microsoft.com/office/drawing/2010/main" xmlns="" w="9525">
+              <a14:hiddenLine xmlns="" xmlns:a14="http://schemas.microsoft.com/office/drawing/2010/main" w="9525">
                 <a:solidFill>
                   <a:schemeClr val="tx1"/>
                 </a:solidFill>
@@ -4770,7 +4770,7 @@
               </a14:hiddenLine>
             </a:ext>
             <a:ext uri="{AF507438-7753-43E0-B8FC-AC1667EBCBE1}">
-              <a14:hiddenEffects xmlns:a14="http://schemas.microsoft.com/office/drawing/2010/main" xmlns="">
+              <a14:hiddenEffects xmlns="" xmlns:a14="http://schemas.microsoft.com/office/drawing/2010/main">
                 <a:effectLst>
                   <a:outerShdw dist="35921" dir="2700000" algn="ctr" rotWithShape="0">
                     <a:schemeClr val="bg2"/>
@@ -5094,7 +5094,7 @@
             <a:hlinkClick r:id="rId2"/>
             <a:extLst>
               <a:ext uri="{FF2B5EF4-FFF2-40B4-BE49-F238E27FC236}">
-                <a16:creationId xmlns:a16="http://schemas.microsoft.com/office/drawing/2014/main" xmlns="" id="{E4C965AD-3F7B-1446-B922-42B08DE5ACF1}"/>
+                <a16:creationId xmlns="" xmlns:a16="http://schemas.microsoft.com/office/drawing/2014/main" id="{E4C965AD-3F7B-1446-B922-42B08DE5ACF1}"/>
               </a:ext>
             </a:extLst>
           </p:cNvPr>
@@ -5107,7 +5107,7 @@
           <a:blip r:embed="rId3">
             <a:extLst>
               <a:ext uri="{28A0092B-C50C-407E-A947-70E740481C1C}">
-                <a14:useLocalDpi xmlns:a14="http://schemas.microsoft.com/office/drawing/2010/main" xmlns="" val="0"/>
+                <a14:useLocalDpi xmlns="" xmlns:a14="http://schemas.microsoft.com/office/drawing/2010/main" val="0"/>
               </a:ext>
             </a:extLst>
           </a:blip>
@@ -5127,7 +5127,7 @@
           <a:noFill/>
           <a:extLst>
             <a:ext uri="{909E8E84-426E-40DD-AFC4-6F175D3DCCD1}">
-              <a14:hiddenFill xmlns:a14="http://schemas.microsoft.com/office/drawing/2010/main" xmlns="">
+              <a14:hiddenFill xmlns="" xmlns:a14="http://schemas.microsoft.com/office/drawing/2010/main">
                 <a:solidFill>
                   <a:srgbClr val="FFFFFF"/>
                 </a:solidFill>
@@ -5142,7 +5142,7 @@
             <a:hlinkClick r:id="rId4"/>
             <a:extLst>
               <a:ext uri="{FF2B5EF4-FFF2-40B4-BE49-F238E27FC236}">
-                <a16:creationId xmlns:a16="http://schemas.microsoft.com/office/drawing/2014/main" xmlns="" id="{D51FD3C2-F6BC-334D-9E09-A73AD8E7760D}"/>
+                <a16:creationId xmlns="" xmlns:a16="http://schemas.microsoft.com/office/drawing/2014/main" id="{D51FD3C2-F6BC-334D-9E09-A73AD8E7760D}"/>
               </a:ext>
             </a:extLst>
           </p:cNvPr>
@@ -5155,7 +5155,7 @@
           <a:blip r:embed="rId5">
             <a:extLst>
               <a:ext uri="{28A0092B-C50C-407E-A947-70E740481C1C}">
-                <a14:useLocalDpi xmlns:a14="http://schemas.microsoft.com/office/drawing/2010/main" xmlns="" val="0"/>
+                <a14:useLocalDpi xmlns="" xmlns:a14="http://schemas.microsoft.com/office/drawing/2010/main" val="0"/>
               </a:ext>
             </a:extLst>
           </a:blip>
@@ -5175,7 +5175,7 @@
           <a:noFill/>
           <a:extLst>
             <a:ext uri="{909E8E84-426E-40DD-AFC4-6F175D3DCCD1}">
-              <a14:hiddenFill xmlns:a14="http://schemas.microsoft.com/office/drawing/2010/main" xmlns="">
+              <a14:hiddenFill xmlns="" xmlns:a14="http://schemas.microsoft.com/office/drawing/2010/main">
                 <a:solidFill>
                   <a:srgbClr val="FFFFFF"/>
                 </a:solidFill>
@@ -5187,7 +5187,7 @@
     </p:spTree>
     <p:extLst>
       <p:ext uri="{BB962C8B-B14F-4D97-AF65-F5344CB8AC3E}">
-        <p14:creationId xmlns:p14="http://schemas.microsoft.com/office/powerpoint/2010/main" xmlns="" val="1017041169"/>
+        <p14:creationId xmlns="" xmlns:p14="http://schemas.microsoft.com/office/powerpoint/2010/main" val="1017041169"/>
       </p:ext>
     </p:extLst>
   </p:cSld>
@@ -5486,7 +5486,7 @@
   <a:extraClrSchemeLst/>
   <a:extLst>
     <a:ext uri="{05A4C25C-085E-4340-85A3-A5531E510DB2}">
-      <thm15:themeFamily xmlns:thm15="http://schemas.microsoft.com/office/thememl/2012/main" xmlns="" name="Office Theme" id="{62F939B6-93AF-4DB8-9C6B-D6C7DFDC589F}" vid="{4A3C46E8-61CC-4603-A589-7422A47A8E4A}"/>
+      <thm15:themeFamily xmlns="" xmlns:thm15="http://schemas.microsoft.com/office/thememl/2012/main" name="Office Theme" id="{62F939B6-93AF-4DB8-9C6B-D6C7DFDC589F}" vid="{4A3C46E8-61CC-4603-A589-7422A47A8E4A}"/>
     </a:ext>
   </a:extLst>
 </a:theme>
